--- a/Paper Reading/____Writing/Fig_a_Code_Snippet_for_a_Task_Instance.pptx
+++ b/Paper Reading/____Writing/Fig_a_Code_Snippet_for_a_Task_Instance.pptx
@@ -344,7 +344,7 @@
           <a:p>
             <a:fld id="{B7268E1E-0E44-426D-905E-8AD9B19D2182}" type="datetimeFigureOut">
               <a:rPr lang="cs-CZ" smtClean="0"/>
-              <a:t>10.05.2025</a:t>
+              <a:t>09.09.2025</a:t>
             </a:fld>
             <a:endParaRPr lang="cs-CZ"/>
           </a:p>
@@ -20995,8 +20995,8 @@
         </p:nvSpPr>
         <p:spPr>
           <a:xfrm>
-            <a:off x="0" y="876"/>
-            <a:ext cx="5861050" cy="3455112"/>
+            <a:off x="0" y="-3742"/>
+            <a:ext cx="5861050" cy="2936287"/>
           </a:xfrm>
           <a:prstGeom prst="rect">
             <a:avLst/>
@@ -21248,7 +21248,7 @@
               <a:t>&lt;</a:t>
             </a:r>
             <a:r>
-              <a:rPr lang="en-US" altLang="zh-CN" sz="1100" dirty="0">
+              <a:rPr lang="en-US" altLang="zh-CN" sz="1100" dirty="0" err="1">
                 <a:solidFill>
                   <a:srgbClr val="267F99"/>
                 </a:solidFill>
@@ -21260,7 +21260,7 @@
               <a:rPr lang="en-US" altLang="zh-CN" sz="1100" dirty="0">
                 <a:latin typeface="Consolas" panose="020B0609020204030204" pitchFamily="49" charset="0"/>
               </a:rPr>
-              <a:t>&gt;()</a:t>
+              <a:t>&gt;(){</a:t>
             </a:r>
           </a:p>
           <a:p>
@@ -21268,63 +21268,70 @@
               <a:rPr lang="en-US" altLang="zh-CN" sz="1100" dirty="0">
                 <a:latin typeface="Consolas" panose="020B0609020204030204" pitchFamily="49" charset="0"/>
               </a:rPr>
-              <a:t>    {</a:t>
-            </a:r>
-          </a:p>
-          <a:p>
+              <a:t>        </a:t>
+            </a:r>
+            <a:r>
+              <a:rPr lang="en-US" altLang="zh-CN" sz="1100" dirty="0">
+                <a:solidFill>
+                  <a:srgbClr val="0000FF"/>
+                </a:solidFill>
+                <a:latin typeface="Consolas" panose="020B0609020204030204" pitchFamily="49" charset="0"/>
+              </a:rPr>
+              <a:t>new</a:t>
+            </a:r>
             <a:r>
               <a:rPr lang="en-US" altLang="zh-CN" sz="1100" dirty="0">
                 <a:latin typeface="Consolas" panose="020B0609020204030204" pitchFamily="49" charset="0"/>
               </a:rPr>
-              <a:t>        </a:t>
-            </a:r>
-            <a:r>
-              <a:rPr lang="en-US" altLang="zh-CN" sz="1100" dirty="0">
-                <a:solidFill>
-                  <a:srgbClr val="0000FF"/>
+              <a:t> </a:t>
+            </a:r>
+            <a:r>
+              <a:rPr lang="en-US" altLang="zh-CN" sz="1100" dirty="0" err="1">
+                <a:solidFill>
+                  <a:srgbClr val="267F99"/>
                 </a:solidFill>
                 <a:latin typeface="Consolas" panose="020B0609020204030204" pitchFamily="49" charset="0"/>
               </a:rPr>
-              <a:t>new</a:t>
+              <a:t>MoveAction</a:t>
             </a:r>
             <a:r>
               <a:rPr lang="en-US" altLang="zh-CN" sz="1100" dirty="0">
                 <a:latin typeface="Consolas" panose="020B0609020204030204" pitchFamily="49" charset="0"/>
               </a:rPr>
-              <a:t> </a:t>
+              <a:t>(</a:t>
+            </a:r>
+            <a:r>
+              <a:rPr lang="en-US" altLang="zh-CN" sz="1100" dirty="0">
+                <a:solidFill>
+                  <a:srgbClr val="001080"/>
+                </a:solidFill>
+                <a:latin typeface="Consolas" panose="020B0609020204030204" pitchFamily="49" charset="0"/>
+              </a:rPr>
+              <a:t>_</a:t>
             </a:r>
             <a:r>
               <a:rPr lang="en-US" altLang="zh-CN" sz="1100" dirty="0" err="1">
                 <a:solidFill>
-                  <a:srgbClr val="267F99"/>
+                  <a:srgbClr val="001080"/>
                 </a:solidFill>
                 <a:latin typeface="Consolas" panose="020B0609020204030204" pitchFamily="49" charset="0"/>
               </a:rPr>
-              <a:t>MoveAction</a:t>
+              <a:t>navMeshAgent</a:t>
             </a:r>
             <a:r>
               <a:rPr lang="en-US" altLang="zh-CN" sz="1100" dirty="0">
                 <a:latin typeface="Consolas" panose="020B0609020204030204" pitchFamily="49" charset="0"/>
               </a:rPr>
-              <a:t>(</a:t>
-            </a:r>
-            <a:r>
-              <a:rPr lang="en-US" altLang="zh-CN" sz="1100" dirty="0">
+              <a:t>, </a:t>
+            </a:r>
+            <a:r>
+              <a:rPr lang="en-US" altLang="zh-CN" sz="1100" dirty="0" err="1">
                 <a:solidFill>
                   <a:srgbClr val="001080"/>
                 </a:solidFill>
                 <a:latin typeface="Consolas" panose="020B0609020204030204" pitchFamily="49" charset="0"/>
               </a:rPr>
-              <a:t>_</a:t>
-            </a:r>
-            <a:r>
-              <a:rPr lang="en-US" altLang="zh-CN" sz="1100" dirty="0" err="1">
-                <a:solidFill>
-                  <a:srgbClr val="001080"/>
-                </a:solidFill>
-                <a:latin typeface="Consolas" panose="020B0609020204030204" pitchFamily="49" charset="0"/>
-              </a:rPr>
-              <a:t>navMeshAgent</a:t>
+              <a:t>moveSpeed</a:t>
             </a:r>
             <a:r>
               <a:rPr lang="en-US" altLang="zh-CN" sz="1100" dirty="0">
@@ -21332,111 +21339,111 @@
               </a:rPr>
               <a:t>, </a:t>
             </a:r>
-            <a:r>
-              <a:rPr lang="en-US" altLang="zh-CN" sz="1100" dirty="0" err="1">
-                <a:solidFill>
-                  <a:srgbClr val="001080"/>
-                </a:solidFill>
-                <a:latin typeface="Consolas" panose="020B0609020204030204" pitchFamily="49" charset="0"/>
-              </a:rPr>
-              <a:t>moveSpeed</a:t>
-            </a:r>
+          </a:p>
+          <a:p>
             <a:r>
               <a:rPr lang="en-US" altLang="zh-CN" sz="1100" dirty="0">
                 <a:latin typeface="Consolas" panose="020B0609020204030204" pitchFamily="49" charset="0"/>
               </a:rPr>
-              <a:t>, </a:t>
-            </a:r>
-          </a:p>
-          <a:p>
+              <a:t>            </a:t>
+            </a:r>
+            <a:r>
+              <a:rPr lang="en-US" altLang="zh-CN" sz="1100" dirty="0" err="1">
+                <a:solidFill>
+                  <a:srgbClr val="001080"/>
+                </a:solidFill>
+                <a:latin typeface="Consolas" panose="020B0609020204030204" pitchFamily="49" charset="0"/>
+              </a:rPr>
+              <a:t>grabbableEntity</a:t>
+            </a:r>
+            <a:r>
+              <a:rPr lang="en-US" altLang="zh-CN" sz="1100" dirty="0" err="1">
+                <a:latin typeface="Consolas" panose="020B0609020204030204" pitchFamily="49" charset="0"/>
+              </a:rPr>
+              <a:t>.</a:t>
+            </a:r>
+            <a:r>
+              <a:rPr lang="en-US" altLang="zh-CN" sz="1100" dirty="0" err="1">
+                <a:solidFill>
+                  <a:srgbClr val="001080"/>
+                </a:solidFill>
+                <a:latin typeface="Consolas" panose="020B0609020204030204" pitchFamily="49" charset="0"/>
+              </a:rPr>
+              <a:t>transform</a:t>
+            </a:r>
+            <a:r>
+              <a:rPr lang="en-US" altLang="zh-CN" sz="1100" dirty="0" err="1">
+                <a:latin typeface="Consolas" panose="020B0609020204030204" pitchFamily="49" charset="0"/>
+              </a:rPr>
+              <a:t>.</a:t>
+            </a:r>
+            <a:r>
+              <a:rPr lang="en-US" altLang="zh-CN" sz="1100" dirty="0" err="1">
+                <a:solidFill>
+                  <a:srgbClr val="001080"/>
+                </a:solidFill>
+                <a:latin typeface="Consolas" panose="020B0609020204030204" pitchFamily="49" charset="0"/>
+              </a:rPr>
+              <a:t>position</a:t>
+            </a:r>
             <a:r>
               <a:rPr lang="en-US" altLang="zh-CN" sz="1100" dirty="0">
                 <a:latin typeface="Consolas" panose="020B0609020204030204" pitchFamily="49" charset="0"/>
               </a:rPr>
-              <a:t>            </a:t>
-            </a:r>
-            <a:r>
-              <a:rPr lang="en-US" altLang="zh-CN" sz="1100" dirty="0" err="1">
-                <a:solidFill>
-                  <a:srgbClr val="001080"/>
-                </a:solidFill>
-                <a:latin typeface="Consolas" panose="020B0609020204030204" pitchFamily="49" charset="0"/>
-              </a:rPr>
-              <a:t>grabbableEntity</a:t>
-            </a:r>
-            <a:r>
-              <a:rPr lang="en-US" altLang="zh-CN" sz="1100" dirty="0" err="1">
-                <a:latin typeface="Consolas" panose="020B0609020204030204" pitchFamily="49" charset="0"/>
-              </a:rPr>
-              <a:t>.</a:t>
-            </a:r>
-            <a:r>
-              <a:rPr lang="en-US" altLang="zh-CN" sz="1100" dirty="0" err="1">
-                <a:solidFill>
-                  <a:srgbClr val="001080"/>
-                </a:solidFill>
-                <a:latin typeface="Consolas" panose="020B0609020204030204" pitchFamily="49" charset="0"/>
-              </a:rPr>
-              <a:t>transform</a:t>
-            </a:r>
-            <a:r>
-              <a:rPr lang="en-US" altLang="zh-CN" sz="1100" dirty="0" err="1">
-                <a:latin typeface="Consolas" panose="020B0609020204030204" pitchFamily="49" charset="0"/>
-              </a:rPr>
-              <a:t>.</a:t>
-            </a:r>
-            <a:r>
-              <a:rPr lang="en-US" altLang="zh-CN" sz="1100" dirty="0" err="1">
-                <a:solidFill>
-                  <a:srgbClr val="001080"/>
-                </a:solidFill>
-                <a:latin typeface="Consolas" panose="020B0609020204030204" pitchFamily="49" charset="0"/>
-              </a:rPr>
-              <a:t>position</a:t>
-            </a:r>
+              <a:t>),</a:t>
+            </a:r>
+          </a:p>
+          <a:p>
             <a:r>
               <a:rPr lang="en-US" altLang="zh-CN" sz="1100" dirty="0">
                 <a:latin typeface="Consolas" panose="020B0609020204030204" pitchFamily="49" charset="0"/>
               </a:rPr>
-              <a:t>),</a:t>
-            </a:r>
-          </a:p>
-          <a:p>
+              <a:t>        </a:t>
+            </a:r>
+            <a:r>
+              <a:rPr lang="en-US" altLang="zh-CN" sz="1100" dirty="0">
+                <a:solidFill>
+                  <a:srgbClr val="0000FF"/>
+                </a:solidFill>
+                <a:latin typeface="Consolas" panose="020B0609020204030204" pitchFamily="49" charset="0"/>
+              </a:rPr>
+              <a:t>new</a:t>
+            </a:r>
             <a:r>
               <a:rPr lang="en-US" altLang="zh-CN" sz="1100" dirty="0">
                 <a:latin typeface="Consolas" panose="020B0609020204030204" pitchFamily="49" charset="0"/>
               </a:rPr>
-              <a:t>        </a:t>
-            </a:r>
-            <a:r>
-              <a:rPr lang="en-US" altLang="zh-CN" sz="1100" dirty="0">
-                <a:solidFill>
-                  <a:srgbClr val="0000FF"/>
+              <a:t> </a:t>
+            </a:r>
+            <a:r>
+              <a:rPr lang="en-US" altLang="zh-CN" sz="1100" dirty="0" err="1">
+                <a:solidFill>
+                  <a:srgbClr val="267F99"/>
                 </a:solidFill>
                 <a:latin typeface="Consolas" panose="020B0609020204030204" pitchFamily="49" charset="0"/>
               </a:rPr>
-              <a:t>new</a:t>
+              <a:t>GrabAction</a:t>
             </a:r>
             <a:r>
               <a:rPr lang="en-US" altLang="zh-CN" sz="1100" dirty="0">
                 <a:latin typeface="Consolas" panose="020B0609020204030204" pitchFamily="49" charset="0"/>
               </a:rPr>
-              <a:t> </a:t>
+              <a:t>(</a:t>
             </a:r>
             <a:r>
               <a:rPr lang="en-US" altLang="zh-CN" sz="1100" dirty="0" err="1">
                 <a:solidFill>
-                  <a:srgbClr val="267F99"/>
+                  <a:srgbClr val="001080"/>
                 </a:solidFill>
                 <a:latin typeface="Consolas" panose="020B0609020204030204" pitchFamily="49" charset="0"/>
               </a:rPr>
-              <a:t>GrabAction</a:t>
+              <a:t>leftHandController</a:t>
             </a:r>
             <a:r>
               <a:rPr lang="en-US" altLang="zh-CN" sz="1100" dirty="0">
                 <a:latin typeface="Consolas" panose="020B0609020204030204" pitchFamily="49" charset="0"/>
               </a:rPr>
-              <a:t>(</a:t>
+              <a:t>, </a:t>
             </a:r>
             <a:r>
               <a:rPr lang="en-US" altLang="zh-CN" sz="1100" dirty="0" err="1">
@@ -21445,7 +21452,7 @@
                 </a:solidFill>
                 <a:latin typeface="Consolas" panose="020B0609020204030204" pitchFamily="49" charset="0"/>
               </a:rPr>
-              <a:t>leftHandController</a:t>
+              <a:t>grabbableEntity</a:t>
             </a:r>
             <a:r>
               <a:rPr lang="en-US" altLang="zh-CN" sz="1100" dirty="0">
@@ -21453,89 +21460,96 @@
               </a:rPr>
               <a:t>, </a:t>
             </a:r>
-            <a:r>
-              <a:rPr lang="en-US" altLang="zh-CN" sz="1100" dirty="0" err="1">
-                <a:solidFill>
-                  <a:srgbClr val="001080"/>
-                </a:solidFill>
-                <a:latin typeface="Consolas" panose="020B0609020204030204" pitchFamily="49" charset="0"/>
-              </a:rPr>
-              <a:t>grabbableEntity</a:t>
-            </a:r>
+          </a:p>
+          <a:p>
             <a:r>
               <a:rPr lang="en-US" altLang="zh-CN" sz="1100" dirty="0">
                 <a:latin typeface="Consolas" panose="020B0609020204030204" pitchFamily="49" charset="0"/>
               </a:rPr>
-              <a:t>, </a:t>
-            </a:r>
-          </a:p>
-          <a:p>
+              <a:t>            </a:t>
+            </a:r>
+            <a:r>
+              <a:rPr lang="en-US" altLang="zh-CN" sz="1100" dirty="0">
+                <a:solidFill>
+                  <a:srgbClr val="0000FF"/>
+                </a:solidFill>
+                <a:latin typeface="Consolas" panose="020B0609020204030204" pitchFamily="49" charset="0"/>
+              </a:rPr>
+              <a:t>new</a:t>
+            </a:r>
             <a:r>
               <a:rPr lang="en-US" altLang="zh-CN" sz="1100" dirty="0">
                 <a:latin typeface="Consolas" panose="020B0609020204030204" pitchFamily="49" charset="0"/>
               </a:rPr>
-              <a:t>            </a:t>
+              <a:t> </a:t>
             </a:r>
             <a:r>
               <a:rPr lang="en-US" altLang="zh-CN" sz="1100" dirty="0">
                 <a:solidFill>
-                  <a:srgbClr val="0000FF"/>
+                  <a:srgbClr val="267F99"/>
                 </a:solidFill>
                 <a:latin typeface="Consolas" panose="020B0609020204030204" pitchFamily="49" charset="0"/>
               </a:rPr>
-              <a:t>new</a:t>
+              <a:t>List</a:t>
             </a:r>
             <a:r>
               <a:rPr lang="en-US" altLang="zh-CN" sz="1100" dirty="0">
                 <a:latin typeface="Consolas" panose="020B0609020204030204" pitchFamily="49" charset="0"/>
               </a:rPr>
-              <a:t> </a:t>
-            </a:r>
-            <a:r>
-              <a:rPr lang="en-US" altLang="zh-CN" sz="1100" dirty="0">
+              <a:t>&lt;</a:t>
+            </a:r>
+            <a:r>
+              <a:rPr lang="en-US" altLang="zh-CN" sz="1100" dirty="0" err="1">
                 <a:solidFill>
                   <a:srgbClr val="267F99"/>
                 </a:solidFill>
                 <a:latin typeface="Consolas" panose="020B0609020204030204" pitchFamily="49" charset="0"/>
               </a:rPr>
-              <a:t>List</a:t>
+              <a:t>BaseAction</a:t>
             </a:r>
             <a:r>
               <a:rPr lang="en-US" altLang="zh-CN" sz="1100" dirty="0">
                 <a:latin typeface="Consolas" panose="020B0609020204030204" pitchFamily="49" charset="0"/>
               </a:rPr>
-              <a:t>&lt;</a:t>
-            </a:r>
-            <a:r>
-              <a:rPr lang="en-US" altLang="zh-CN" sz="1100" dirty="0">
-                <a:solidFill>
-                  <a:srgbClr val="267F99"/>
-                </a:solidFill>
-                <a:latin typeface="Consolas" panose="020B0609020204030204" pitchFamily="49" charset="0"/>
-              </a:rPr>
-              <a:t>BaseAction</a:t>
-            </a:r>
+              <a:t>&gt;(){</a:t>
+            </a:r>
+          </a:p>
+          <a:p>
             <a:r>
               <a:rPr lang="en-US" altLang="zh-CN" sz="1100" dirty="0">
                 <a:latin typeface="Consolas" panose="020B0609020204030204" pitchFamily="49" charset="0"/>
               </a:rPr>
-              <a:t>&gt;()</a:t>
-            </a:r>
-          </a:p>
-          <a:p>
+              <a:t>                </a:t>
+            </a:r>
+            <a:r>
+              <a:rPr lang="en-US" altLang="zh-CN" sz="1100" dirty="0">
+                <a:solidFill>
+                  <a:srgbClr val="0000FF"/>
+                </a:solidFill>
+                <a:latin typeface="Consolas" panose="020B0609020204030204" pitchFamily="49" charset="0"/>
+              </a:rPr>
+              <a:t>new</a:t>
+            </a:r>
             <a:r>
               <a:rPr lang="en-US" altLang="zh-CN" sz="1100" dirty="0">
                 <a:latin typeface="Consolas" panose="020B0609020204030204" pitchFamily="49" charset="0"/>
               </a:rPr>
-              <a:t>            {</a:t>
-            </a:r>
-          </a:p>
-          <a:p>
+              <a:t> </a:t>
+            </a:r>
+            <a:r>
+              <a:rPr lang="en-US" altLang="zh-CN" sz="1100" dirty="0" err="1">
+                <a:solidFill>
+                  <a:srgbClr val="267F99"/>
+                </a:solidFill>
+                <a:latin typeface="Consolas" panose="020B0609020204030204" pitchFamily="49" charset="0"/>
+              </a:rPr>
+              <a:t>ParallelAction</a:t>
+            </a:r>
             <a:r>
               <a:rPr lang="en-US" altLang="zh-CN" sz="1100" dirty="0">
                 <a:latin typeface="Consolas" panose="020B0609020204030204" pitchFamily="49" charset="0"/>
               </a:rPr>
-              <a:t>                </a:t>
+              <a:t>(</a:t>
             </a:r>
             <a:r>
               <a:rPr lang="en-US" altLang="zh-CN" sz="1100" dirty="0">
@@ -21553,72 +21567,34 @@
               <a:t> </a:t>
             </a:r>
             <a:r>
-              <a:rPr lang="en-US" altLang="zh-CN" sz="1100" dirty="0" err="1">
+              <a:rPr lang="en-US" altLang="zh-CN" sz="1100" dirty="0">
                 <a:solidFill>
                   <a:srgbClr val="267F99"/>
                 </a:solidFill>
                 <a:latin typeface="Consolas" panose="020B0609020204030204" pitchFamily="49" charset="0"/>
               </a:rPr>
-              <a:t>ParallelAction</a:t>
+              <a:t>List</a:t>
             </a:r>
             <a:r>
               <a:rPr lang="en-US" altLang="zh-CN" sz="1100" dirty="0">
                 <a:latin typeface="Consolas" panose="020B0609020204030204" pitchFamily="49" charset="0"/>
               </a:rPr>
-              <a:t>(</a:t>
-            </a:r>
-            <a:r>
-              <a:rPr lang="en-US" altLang="zh-CN" sz="1100" dirty="0">
-                <a:solidFill>
-                  <a:srgbClr val="0000FF"/>
+              <a:t>&lt;</a:t>
+            </a:r>
+            <a:r>
+              <a:rPr lang="en-US" altLang="zh-CN" sz="1100" dirty="0" err="1">
+                <a:solidFill>
+                  <a:srgbClr val="267F99"/>
                 </a:solidFill>
                 <a:latin typeface="Consolas" panose="020B0609020204030204" pitchFamily="49" charset="0"/>
               </a:rPr>
-              <a:t>new</a:t>
+              <a:t>BaseAction</a:t>
             </a:r>
             <a:r>
               <a:rPr lang="en-US" altLang="zh-CN" sz="1100" dirty="0">
                 <a:latin typeface="Consolas" panose="020B0609020204030204" pitchFamily="49" charset="0"/>
               </a:rPr>
-              <a:t> </a:t>
-            </a:r>
-            <a:r>
-              <a:rPr lang="en-US" altLang="zh-CN" sz="1100" dirty="0">
-                <a:solidFill>
-                  <a:srgbClr val="267F99"/>
-                </a:solidFill>
-                <a:latin typeface="Consolas" panose="020B0609020204030204" pitchFamily="49" charset="0"/>
-              </a:rPr>
-              <a:t>List</a:t>
-            </a:r>
-            <a:r>
-              <a:rPr lang="en-US" altLang="zh-CN" sz="1100" dirty="0">
-                <a:latin typeface="Consolas" panose="020B0609020204030204" pitchFamily="49" charset="0"/>
-              </a:rPr>
-              <a:t>&lt;</a:t>
-            </a:r>
-            <a:r>
-              <a:rPr lang="en-US" altLang="zh-CN" sz="1100" dirty="0">
-                <a:solidFill>
-                  <a:srgbClr val="267F99"/>
-                </a:solidFill>
-                <a:latin typeface="Consolas" panose="020B0609020204030204" pitchFamily="49" charset="0"/>
-              </a:rPr>
-              <a:t>BaseAction</a:t>
-            </a:r>
-            <a:r>
-              <a:rPr lang="en-US" altLang="zh-CN" sz="1100" dirty="0">
-                <a:latin typeface="Consolas" panose="020B0609020204030204" pitchFamily="49" charset="0"/>
-              </a:rPr>
-              <a:t>&gt;()</a:t>
-            </a:r>
-          </a:p>
-          <a:p>
-            <a:r>
-              <a:rPr lang="en-US" altLang="zh-CN" sz="1100" dirty="0">
-                <a:latin typeface="Consolas" panose="020B0609020204030204" pitchFamily="49" charset="0"/>
-              </a:rPr>
-              <a:t>                {</a:t>
+              <a:t>&gt;(){</a:t>
             </a:r>
           </a:p>
           <a:p>
